--- a/ch4/第四章 part2.pptx
+++ b/ch4/第四章 part2.pptx
@@ -292,7 +292,7 @@
           <a:p>
             <a:fld id="{FFB5B9FB-1835-3744-BD38-6A33207CAA68}" type="datetimeFigureOut">
               <a:rPr kumimoji="1" lang="zh-CN" altLang="en-US" smtClean="0"/>
-              <a:t>2020/4/11</a:t>
+              <a:t>2020/4/13</a:t>
             </a:fld>
             <a:endParaRPr kumimoji="1" lang="zh-CN" altLang="en-US"/>
           </a:p>
@@ -490,7 +490,7 @@
           <a:p>
             <a:fld id="{FFB5B9FB-1835-3744-BD38-6A33207CAA68}" type="datetimeFigureOut">
               <a:rPr kumimoji="1" lang="zh-CN" altLang="en-US" smtClean="0"/>
-              <a:t>2020/4/11</a:t>
+              <a:t>2020/4/13</a:t>
             </a:fld>
             <a:endParaRPr kumimoji="1" lang="zh-CN" altLang="en-US"/>
           </a:p>
@@ -698,7 +698,7 @@
           <a:p>
             <a:fld id="{FFB5B9FB-1835-3744-BD38-6A33207CAA68}" type="datetimeFigureOut">
               <a:rPr kumimoji="1" lang="zh-CN" altLang="en-US" smtClean="0"/>
-              <a:t>2020/4/11</a:t>
+              <a:t>2020/4/13</a:t>
             </a:fld>
             <a:endParaRPr kumimoji="1" lang="zh-CN" altLang="en-US"/>
           </a:p>
@@ -896,7 +896,7 @@
           <a:p>
             <a:fld id="{FFB5B9FB-1835-3744-BD38-6A33207CAA68}" type="datetimeFigureOut">
               <a:rPr kumimoji="1" lang="zh-CN" altLang="en-US" smtClean="0"/>
-              <a:t>2020/4/11</a:t>
+              <a:t>2020/4/13</a:t>
             </a:fld>
             <a:endParaRPr kumimoji="1" lang="zh-CN" altLang="en-US"/>
           </a:p>
@@ -1171,7 +1171,7 @@
           <a:p>
             <a:fld id="{FFB5B9FB-1835-3744-BD38-6A33207CAA68}" type="datetimeFigureOut">
               <a:rPr kumimoji="1" lang="zh-CN" altLang="en-US" smtClean="0"/>
-              <a:t>2020/4/11</a:t>
+              <a:t>2020/4/13</a:t>
             </a:fld>
             <a:endParaRPr kumimoji="1" lang="zh-CN" altLang="en-US"/>
           </a:p>
@@ -1436,7 +1436,7 @@
           <a:p>
             <a:fld id="{FFB5B9FB-1835-3744-BD38-6A33207CAA68}" type="datetimeFigureOut">
               <a:rPr kumimoji="1" lang="zh-CN" altLang="en-US" smtClean="0"/>
-              <a:t>2020/4/11</a:t>
+              <a:t>2020/4/13</a:t>
             </a:fld>
             <a:endParaRPr kumimoji="1" lang="zh-CN" altLang="en-US"/>
           </a:p>
@@ -1848,7 +1848,7 @@
           <a:p>
             <a:fld id="{FFB5B9FB-1835-3744-BD38-6A33207CAA68}" type="datetimeFigureOut">
               <a:rPr kumimoji="1" lang="zh-CN" altLang="en-US" smtClean="0"/>
-              <a:t>2020/4/11</a:t>
+              <a:t>2020/4/13</a:t>
             </a:fld>
             <a:endParaRPr kumimoji="1" lang="zh-CN" altLang="en-US"/>
           </a:p>
@@ -1989,7 +1989,7 @@
           <a:p>
             <a:fld id="{FFB5B9FB-1835-3744-BD38-6A33207CAA68}" type="datetimeFigureOut">
               <a:rPr kumimoji="1" lang="zh-CN" altLang="en-US" smtClean="0"/>
-              <a:t>2020/4/11</a:t>
+              <a:t>2020/4/13</a:t>
             </a:fld>
             <a:endParaRPr kumimoji="1" lang="zh-CN" altLang="en-US"/>
           </a:p>
@@ -2102,7 +2102,7 @@
           <a:p>
             <a:fld id="{FFB5B9FB-1835-3744-BD38-6A33207CAA68}" type="datetimeFigureOut">
               <a:rPr kumimoji="1" lang="zh-CN" altLang="en-US" smtClean="0"/>
-              <a:t>2020/4/11</a:t>
+              <a:t>2020/4/13</a:t>
             </a:fld>
             <a:endParaRPr kumimoji="1" lang="zh-CN" altLang="en-US"/>
           </a:p>
@@ -2413,7 +2413,7 @@
           <a:p>
             <a:fld id="{FFB5B9FB-1835-3744-BD38-6A33207CAA68}" type="datetimeFigureOut">
               <a:rPr kumimoji="1" lang="zh-CN" altLang="en-US" smtClean="0"/>
-              <a:t>2020/4/11</a:t>
+              <a:t>2020/4/13</a:t>
             </a:fld>
             <a:endParaRPr kumimoji="1" lang="zh-CN" altLang="en-US"/>
           </a:p>
@@ -2701,7 +2701,7 @@
           <a:p>
             <a:fld id="{FFB5B9FB-1835-3744-BD38-6A33207CAA68}" type="datetimeFigureOut">
               <a:rPr kumimoji="1" lang="zh-CN" altLang="en-US" smtClean="0"/>
-              <a:t>2020/4/11</a:t>
+              <a:t>2020/4/13</a:t>
             </a:fld>
             <a:endParaRPr kumimoji="1" lang="zh-CN" altLang="en-US"/>
           </a:p>
@@ -2942,7 +2942,7 @@
           <a:p>
             <a:fld id="{FFB5B9FB-1835-3744-BD38-6A33207CAA68}" type="datetimeFigureOut">
               <a:rPr kumimoji="1" lang="zh-CN" altLang="en-US" smtClean="0"/>
-              <a:t>2020/4/11</a:t>
+              <a:t>2020/4/13</a:t>
             </a:fld>
             <a:endParaRPr kumimoji="1" lang="zh-CN" altLang="en-US"/>
           </a:p>
@@ -3486,6 +3486,44 @@
           </a:p>
         </p:txBody>
       </p:sp>
+      <p:pic>
+        <p:nvPicPr>
+          <p:cNvPr id="5" name="音频 4">
+            <a:hlinkClick r:id="" action="ppaction://media"/>
+            <a:extLst>
+              <a:ext uri="{FF2B5EF4-FFF2-40B4-BE49-F238E27FC236}">
+                <a16:creationId xmlns:a16="http://schemas.microsoft.com/office/drawing/2014/main" id="{AE1DBFAD-0278-7544-8F89-340DE5F07B56}"/>
+              </a:ext>
+            </a:extLst>
+          </p:cNvPr>
+          <p:cNvPicPr>
+            <a:picLocks noChangeAspect="1"/>
+          </p:cNvPicPr>
+          <p:nvPr>
+            <a:audioFile r:link="rId2"/>
+            <p:extLst>
+              <p:ext uri="{DAA4B4D4-6D71-4841-9C94-3DE7FCFB9230}">
+                <p14:media xmlns:p14="http://schemas.microsoft.com/office/powerpoint/2010/main" r:embed="rId1"/>
+              </p:ext>
+            </p:extLst>
+          </p:nvPr>
+        </p:nvPicPr>
+        <p:blipFill>
+          <a:blip r:embed="rId4"/>
+          <a:stretch>
+            <a:fillRect/>
+          </a:stretch>
+        </p:blipFill>
+        <p:spPr>
+          <a:xfrm>
+            <a:off x="11163300" y="5829300"/>
+            <a:ext cx="812800" cy="812800"/>
+          </a:xfrm>
+          <a:prstGeom prst="rect">
+            <a:avLst/>
+          </a:prstGeom>
+        </p:spPr>
+      </p:pic>
     </p:spTree>
     <p:extLst>
       <p:ext uri="{BB962C8B-B14F-4D97-AF65-F5344CB8AC3E}">
@@ -3496,6 +3534,101 @@
   <p:clrMapOvr>
     <a:masterClrMapping/>
   </p:clrMapOvr>
+  <mc:AlternateContent xmlns:mc="http://schemas.openxmlformats.org/markup-compatibility/2006">
+    <mc:Choice xmlns:p14="http://schemas.microsoft.com/office/powerpoint/2010/main" Requires="p14">
+      <p:transition spd="slow" p14:dur="2000" advTm="9631"/>
+    </mc:Choice>
+    <mc:Fallback>
+      <p:transition spd="slow" advTm="9631"/>
+    </mc:Fallback>
+  </mc:AlternateContent>
+  <p:timing>
+    <p:tnLst>
+      <p:par>
+        <p:cTn id="1" dur="indefinite" restart="never" nodeType="tmRoot">
+          <p:childTnLst>
+            <p:seq concurrent="1" nextAc="seek">
+              <p:cTn id="2" dur="indefinite" nodeType="mainSeq">
+                <p:childTnLst>
+                  <p:par>
+                    <p:cTn id="3" fill="hold">
+                      <p:stCondLst>
+                        <p:cond delay="indefinite"/>
+                        <p:cond evt="onBegin" delay="0">
+                          <p:tn val="2"/>
+                        </p:cond>
+                      </p:stCondLst>
+                      <p:childTnLst>
+                        <p:par>
+                          <p:cTn id="4" fill="hold">
+                            <p:stCondLst>
+                              <p:cond delay="0"/>
+                            </p:stCondLst>
+                            <p:childTnLst>
+                              <p:par>
+                                <p:cTn id="5" presetID="1" presetClass="mediacall" presetSubtype="0" fill="hold" nodeType="afterEffect">
+                                  <p:stCondLst>
+                                    <p:cond delay="0"/>
+                                  </p:stCondLst>
+                                  <p:childTnLst>
+                                    <p:cmd type="call" cmd="playFrom(0.0)">
+                                      <p:cBhvr>
+                                        <p:cTn id="6" dur="1" fill="hold"/>
+                                        <p:tgtEl>
+                                          <p:spTgt spid="5"/>
+                                        </p:tgtEl>
+                                      </p:cBhvr>
+                                    </p:cmd>
+                                  </p:childTnLst>
+                                </p:cTn>
+                              </p:par>
+                            </p:childTnLst>
+                          </p:cTn>
+                        </p:par>
+                      </p:childTnLst>
+                    </p:cTn>
+                  </p:par>
+                </p:childTnLst>
+              </p:cTn>
+              <p:prevCondLst>
+                <p:cond evt="onPrev" delay="0">
+                  <p:tgtEl>
+                    <p:sldTgt/>
+                  </p:tgtEl>
+                </p:cond>
+              </p:prevCondLst>
+              <p:nextCondLst>
+                <p:cond evt="onNext" delay="0">
+                  <p:tgtEl>
+                    <p:sldTgt/>
+                  </p:tgtEl>
+                </p:cond>
+              </p:nextCondLst>
+            </p:seq>
+            <p:audio isNarration="1">
+              <p:cMediaNode vol="80000" showWhenStopped="0">
+                <p:cTn id="7" fill="hold" display="0">
+                  <p:stCondLst>
+                    <p:cond delay="indefinite"/>
+                  </p:stCondLst>
+                  <p:endCondLst>
+                    <p:cond evt="onStopAudio" delay="0">
+                      <p:tgtEl>
+                        <p:sldTgt/>
+                      </p:tgtEl>
+                    </p:cond>
+                  </p:endCondLst>
+                </p:cTn>
+                <p:tgtEl>
+                  <p:spTgt spid="5"/>
+                </p:tgtEl>
+              </p:cMediaNode>
+            </p:audio>
+          </p:childTnLst>
+        </p:cTn>
+      </p:par>
+    </p:tnLst>
+  </p:timing>
 </p:sld>
 </file>
 

--- a/ch4/第四章 part2.pptx
+++ b/ch4/第四章 part2.pptx
@@ -3534,11 +3534,11 @@
   <p:clrMapOvr>
     <a:masterClrMapping/>
   </p:clrMapOvr>
-  <mc:AlternateContent xmlns:mc="http://schemas.openxmlformats.org/markup-compatibility/2006">
-    <mc:Choice xmlns:p14="http://schemas.microsoft.com/office/powerpoint/2010/main" Requires="p14">
+  <mc:AlternateContent xmlns:mc="http://schemas.openxmlformats.org/markup-compatibility/2006" xmlns:p14="http://schemas.microsoft.com/office/powerpoint/2010/main">
+    <mc:Choice Requires="p14">
       <p:transition spd="slow" p14:dur="2000" advTm="9631"/>
     </mc:Choice>
-    <mc:Fallback>
+    <mc:Fallback xmlns="">
       <p:transition spd="slow" advTm="9631"/>
     </mc:Fallback>
   </mc:AlternateContent>
@@ -15281,7 +15281,7 @@
             </a:r>
             <a:r>
               <a:rPr kumimoji="1" lang="en-US" altLang="zh-CN" sz="3400" dirty="0" err="1"/>
-              <a:t>bcde</a:t>
+              <a:t>bcd</a:t>
             </a:r>
             <a:r>
               <a:rPr kumimoji="1" lang="en-US" altLang="zh-CN" sz="3400" dirty="0"/>

--- a/ch4/第四章 part2.pptx
+++ b/ch4/第四章 part2.pptx
@@ -292,7 +292,7 @@
           <a:p>
             <a:fld id="{FFB5B9FB-1835-3744-BD38-6A33207CAA68}" type="datetimeFigureOut">
               <a:rPr kumimoji="1" lang="zh-CN" altLang="en-US" smtClean="0"/>
-              <a:t>2020/4/13</a:t>
+              <a:t>2020/4/15</a:t>
             </a:fld>
             <a:endParaRPr kumimoji="1" lang="zh-CN" altLang="en-US"/>
           </a:p>
@@ -490,7 +490,7 @@
           <a:p>
             <a:fld id="{FFB5B9FB-1835-3744-BD38-6A33207CAA68}" type="datetimeFigureOut">
               <a:rPr kumimoji="1" lang="zh-CN" altLang="en-US" smtClean="0"/>
-              <a:t>2020/4/13</a:t>
+              <a:t>2020/4/15</a:t>
             </a:fld>
             <a:endParaRPr kumimoji="1" lang="zh-CN" altLang="en-US"/>
           </a:p>
@@ -698,7 +698,7 @@
           <a:p>
             <a:fld id="{FFB5B9FB-1835-3744-BD38-6A33207CAA68}" type="datetimeFigureOut">
               <a:rPr kumimoji="1" lang="zh-CN" altLang="en-US" smtClean="0"/>
-              <a:t>2020/4/13</a:t>
+              <a:t>2020/4/15</a:t>
             </a:fld>
             <a:endParaRPr kumimoji="1" lang="zh-CN" altLang="en-US"/>
           </a:p>
@@ -896,7 +896,7 @@
           <a:p>
             <a:fld id="{FFB5B9FB-1835-3744-BD38-6A33207CAA68}" type="datetimeFigureOut">
               <a:rPr kumimoji="1" lang="zh-CN" altLang="en-US" smtClean="0"/>
-              <a:t>2020/4/13</a:t>
+              <a:t>2020/4/15</a:t>
             </a:fld>
             <a:endParaRPr kumimoji="1" lang="zh-CN" altLang="en-US"/>
           </a:p>
@@ -1171,7 +1171,7 @@
           <a:p>
             <a:fld id="{FFB5B9FB-1835-3744-BD38-6A33207CAA68}" type="datetimeFigureOut">
               <a:rPr kumimoji="1" lang="zh-CN" altLang="en-US" smtClean="0"/>
-              <a:t>2020/4/13</a:t>
+              <a:t>2020/4/15</a:t>
             </a:fld>
             <a:endParaRPr kumimoji="1" lang="zh-CN" altLang="en-US"/>
           </a:p>
@@ -1436,7 +1436,7 @@
           <a:p>
             <a:fld id="{FFB5B9FB-1835-3744-BD38-6A33207CAA68}" type="datetimeFigureOut">
               <a:rPr kumimoji="1" lang="zh-CN" altLang="en-US" smtClean="0"/>
-              <a:t>2020/4/13</a:t>
+              <a:t>2020/4/15</a:t>
             </a:fld>
             <a:endParaRPr kumimoji="1" lang="zh-CN" altLang="en-US"/>
           </a:p>
@@ -1848,7 +1848,7 @@
           <a:p>
             <a:fld id="{FFB5B9FB-1835-3744-BD38-6A33207CAA68}" type="datetimeFigureOut">
               <a:rPr kumimoji="1" lang="zh-CN" altLang="en-US" smtClean="0"/>
-              <a:t>2020/4/13</a:t>
+              <a:t>2020/4/15</a:t>
             </a:fld>
             <a:endParaRPr kumimoji="1" lang="zh-CN" altLang="en-US"/>
           </a:p>
@@ -1989,7 +1989,7 @@
           <a:p>
             <a:fld id="{FFB5B9FB-1835-3744-BD38-6A33207CAA68}" type="datetimeFigureOut">
               <a:rPr kumimoji="1" lang="zh-CN" altLang="en-US" smtClean="0"/>
-              <a:t>2020/4/13</a:t>
+              <a:t>2020/4/15</a:t>
             </a:fld>
             <a:endParaRPr kumimoji="1" lang="zh-CN" altLang="en-US"/>
           </a:p>
@@ -2102,7 +2102,7 @@
           <a:p>
             <a:fld id="{FFB5B9FB-1835-3744-BD38-6A33207CAA68}" type="datetimeFigureOut">
               <a:rPr kumimoji="1" lang="zh-CN" altLang="en-US" smtClean="0"/>
-              <a:t>2020/4/13</a:t>
+              <a:t>2020/4/15</a:t>
             </a:fld>
             <a:endParaRPr kumimoji="1" lang="zh-CN" altLang="en-US"/>
           </a:p>
@@ -2413,7 +2413,7 @@
           <a:p>
             <a:fld id="{FFB5B9FB-1835-3744-BD38-6A33207CAA68}" type="datetimeFigureOut">
               <a:rPr kumimoji="1" lang="zh-CN" altLang="en-US" smtClean="0"/>
-              <a:t>2020/4/13</a:t>
+              <a:t>2020/4/15</a:t>
             </a:fld>
             <a:endParaRPr kumimoji="1" lang="zh-CN" altLang="en-US"/>
           </a:p>
@@ -2701,7 +2701,7 @@
           <a:p>
             <a:fld id="{FFB5B9FB-1835-3744-BD38-6A33207CAA68}" type="datetimeFigureOut">
               <a:rPr kumimoji="1" lang="zh-CN" altLang="en-US" smtClean="0"/>
-              <a:t>2020/4/13</a:t>
+              <a:t>2020/4/15</a:t>
             </a:fld>
             <a:endParaRPr kumimoji="1" lang="zh-CN" altLang="en-US"/>
           </a:p>
@@ -2942,7 +2942,7 @@
           <a:p>
             <a:fld id="{FFB5B9FB-1835-3744-BD38-6A33207CAA68}" type="datetimeFigureOut">
               <a:rPr kumimoji="1" lang="zh-CN" altLang="en-US" smtClean="0"/>
-              <a:t>2020/4/13</a:t>
+              <a:t>2020/4/15</a:t>
             </a:fld>
             <a:endParaRPr kumimoji="1" lang="zh-CN" altLang="en-US"/>
           </a:p>
@@ -10507,7 +10507,7 @@
                 <a:spcPts val="1000"/>
               </a:spcBef>
               <a:buFont typeface="+mj-lt"/>
-              <a:buAutoNum type="arabicPeriod" startAt="7"/>
+              <a:buAutoNum type="arabicPeriod" startAt="10"/>
             </a:pPr>
             <a:r>
               <a:rPr kumimoji="1" lang="zh-CN" altLang="en-US" sz="1800" dirty="0"/>
@@ -10549,7 +10549,7 @@
                 <a:spcPts val="1000"/>
               </a:spcBef>
               <a:buFont typeface="+mj-lt"/>
-              <a:buAutoNum type="arabicPeriod" startAt="7"/>
+              <a:buAutoNum type="arabicPeriod" startAt="10"/>
             </a:pPr>
             <a:endParaRPr kumimoji="1" lang="en-US" altLang="zh-CN" sz="1800" dirty="0"/>
           </a:p>
@@ -10559,7 +10559,7 @@
                 <a:spcPts val="1000"/>
               </a:spcBef>
               <a:buFont typeface="+mj-lt"/>
-              <a:buAutoNum type="arabicPeriod" startAt="7"/>
+              <a:buAutoNum type="arabicPeriod" startAt="10"/>
             </a:pPr>
             <a:r>
               <a:rPr kumimoji="1" lang="en-US" altLang="zh-CN" sz="1800" dirty="0"/>
